--- a/sample/sample.pptx
+++ b/sample/sample.pptx
@@ -3163,7 +3163,7 @@
           </a:fontRef>
         </p:style>
         <p:txBody>
-          <a:bodyPr rtlCol="0" anchor="ctr" wrap="square" tIns="0" lIns="0" bIns="0" rIns="0"/>
+          <a:bodyPr rtlCol="0" anchor="ctr" wrap="none" tIns="0" lIns="0" bIns="0" rIns="0"/>
           <a:lstStyle/>
           <a:p>
             <a:pPr algn="ctr">
@@ -3307,7 +3307,7 @@
           </a:fontRef>
         </p:style>
         <p:txBody>
-          <a:bodyPr rtlCol="0" anchor="ctr" wrap="square" tIns="0" lIns="0" bIns="0" rIns="0"/>
+          <a:bodyPr rtlCol="0" anchor="ctr" wrap="none" tIns="0" lIns="0" bIns="0" rIns="0"/>
           <a:lstStyle/>
           <a:p>
             <a:pPr algn="ctr">
@@ -3340,9 +3340,9 @@
           <p:nvPr/>
         </p:nvCxnSpPr>
         <p:spPr>
-          <a:xfrm flipV="1">
+          <a:xfrm>
             <a:off x="6096000" y="4190999"/>
-            <a:ext cx="571500" cy="1"/>
+            <a:ext cx="571500" cy="0"/>
           </a:xfrm>
           <a:prstGeom prst="line">
             <a:avLst/>
@@ -3481,7 +3481,7 @@
           </a:fontRef>
         </p:style>
         <p:txBody>
-          <a:bodyPr rtlCol="0" anchor="ctr" wrap="square" tIns="0" lIns="0" bIns="0" rIns="0"/>
+          <a:bodyPr rtlCol="0" anchor="ctr" wrap="none" tIns="0" lIns="0" bIns="0" rIns="0"/>
           <a:lstStyle/>
           <a:p>
             <a:pPr algn="ctr">
@@ -3546,7 +3546,7 @@
           </a:fontRef>
         </p:style>
         <p:txBody>
-          <a:bodyPr rtlCol="0" anchor="ctr" wrap="square" tIns="0" lIns="0" bIns="0" rIns="0"/>
+          <a:bodyPr rtlCol="0" anchor="ctr" wrap="none" tIns="0" lIns="0" bIns="0" rIns="0"/>
           <a:lstStyle/>
           <a:p>
             <a:pPr algn="ctr">
@@ -3793,7 +3793,7 @@
           </a:fontRef>
         </p:style>
         <p:txBody>
-          <a:bodyPr rtlCol="0" anchor="ctr" wrap="square" tIns="0" lIns="0" bIns="0" rIns="0"/>
+          <a:bodyPr rtlCol="0" anchor="ctr" wrap="none" tIns="0" lIns="0" bIns="0" rIns="0"/>
           <a:lstStyle/>
           <a:p>
             <a:pPr algn="ctr">
@@ -3858,7 +3858,7 @@
           </a:fontRef>
         </p:style>
         <p:txBody>
-          <a:bodyPr rtlCol="0" anchor="ctr" wrap="square" tIns="0" lIns="0" bIns="0" rIns="0"/>
+          <a:bodyPr rtlCol="0" anchor="ctr" wrap="none" tIns="0" lIns="0" bIns="0" rIns="0"/>
           <a:lstStyle/>
           <a:p>
             <a:pPr algn="ctr">
@@ -3923,7 +3923,7 @@
           </a:fontRef>
         </p:style>
         <p:txBody>
-          <a:bodyPr rtlCol="0" anchor="ctr" wrap="square" tIns="0" lIns="0" bIns="0" rIns="0"/>
+          <a:bodyPr rtlCol="0" anchor="ctr" wrap="none" tIns="0" lIns="0" bIns="0" rIns="0"/>
           <a:lstStyle/>
           <a:p>
             <a:pPr algn="ctr">
@@ -3991,7 +3991,7 @@
           </a:fontRef>
         </p:style>
         <p:txBody>
-          <a:bodyPr rtlCol="0" anchor="ctr" wrap="square" tIns="0" lIns="0" bIns="0" rIns="0"/>
+          <a:bodyPr rtlCol="0" anchor="ctr" wrap="none" tIns="0" lIns="0" bIns="0" rIns="0"/>
           <a:lstStyle/>
           <a:p>
             <a:pPr algn="ctr">
@@ -4077,17 +4077,9 @@
           <a:prstGeom prst="trapezoid">
             <a:avLst/>
           </a:prstGeom>
-          <a:gradFill rotWithShape="1">
-            <a:gsLst>
-              <a:gs pos="0">
-                <a:srgbClr val="FFFFFF"/>
-              </a:gs>
-              <a:gs pos="100000">
-                <a:srgbClr val="000000"/>
-              </a:gs>
-            </a:gsLst>
-            <a:lin ang="0" scaled="1"/>
-          </a:gradFill>
+          <a:solidFill>
+            <a:srgbClr val="FFFFFF"/>
+          </a:solidFill>
           <a:ln w="9525">
             <a:solidFill>
               <a:srgbClr val="000000"/>
@@ -4223,17 +4215,9 @@
           <a:prstGeom prst="hexagon">
             <a:avLst/>
           </a:prstGeom>
-          <a:gradFill rotWithShape="1">
-            <a:gsLst>
-              <a:gs pos="0">
-                <a:srgbClr val="FFFFFF"/>
-              </a:gs>
-              <a:gs pos="100000">
-                <a:srgbClr val="000000"/>
-              </a:gs>
-            </a:gsLst>
-            <a:lin ang="5400000" scaled="1"/>
-          </a:gradFill>
+          <a:solidFill>
+            <a:srgbClr val="FFFFFF"/>
+          </a:solidFill>
           <a:ln w="9525">
             <a:solidFill>
               <a:srgbClr val="000000"/>
@@ -4395,17 +4379,9 @@
           <a:prstGeom prst="pentagon">
             <a:avLst/>
           </a:prstGeom>
-          <a:gradFill rotWithShape="1">
-            <a:gsLst>
-              <a:gs pos="0">
-                <a:srgbClr val="FFFFFF"/>
-              </a:gs>
-              <a:gs pos="100000">
-                <a:srgbClr val="3333FF"/>
-              </a:gs>
-            </a:gsLst>
-            <a:lin ang="5400000" scaled="1"/>
-          </a:gradFill>
+          <a:solidFill>
+            <a:srgbClr val="FFFFFF"/>
+          </a:solidFill>
           <a:ln w="9525">
             <a:solidFill>
               <a:srgbClr val="000000"/>
@@ -4449,17 +4425,9 @@
           <a:prstGeom prst="octagon">
             <a:avLst/>
           </a:prstGeom>
-          <a:gradFill rotWithShape="1">
-            <a:gsLst>
-              <a:gs pos="0">
-                <a:srgbClr val="FFFFFF"/>
-              </a:gs>
-              <a:gs pos="100000">
-                <a:srgbClr val="FFFF00"/>
-              </a:gs>
-            </a:gsLst>
-            <a:lin ang="10800000" scaled="1"/>
-          </a:gradFill>
+          <a:solidFill>
+            <a:srgbClr val="FFFFFF"/>
+          </a:solidFill>
           <a:ln w="9525">
             <a:solidFill>
               <a:srgbClr val="000000"/>
